--- a/CS4795-Spaceship-Game-AI-Presentation.pptx
+++ b/CS4795-Spaceship-Game-AI-Presentation.pptx
@@ -119,6 +119,11 @@
       </a:defRPr>
     </a:lvl9pPr>
   </p:defaultTextStyle>
+  <p:extLst>
+    <p:ext uri="{EFAFB233-063F-42B5-8137-9DF3F51BA10A}">
+      <p15:sldGuideLst xmlns:p15="http://schemas.microsoft.com/office/powerpoint/2012/main"/>
+    </p:ext>
+  </p:extLst>
 </p:presentation>
 </file>
 
@@ -3730,7 +3735,7 @@
           <a:p>
             <a:r>
               <a:rPr lang="en-US" dirty="0"/>
-              <a:t>The AI is capable of </a:t>
+              <a:t>The AI is reasonably good at diversifying its strategy</a:t>
             </a:r>
           </a:p>
         </p:txBody>
@@ -4536,7 +4541,7 @@
             <a:pPr lvl="1"/>
             <a:r>
               <a:rPr lang="en-US" dirty="0"/>
-              <a:t>I already had a simulation about space movement</a:t>
+              <a:t>I already had a simulation about space movement to use as a base</a:t>
             </a:r>
           </a:p>
         </p:txBody>
@@ -4698,9 +4703,16 @@
             <p:ph type="body" sz="half" idx="2"/>
           </p:nvPr>
         </p:nvSpPr>
-        <p:spPr/>
-        <p:txBody>
-          <a:bodyPr/>
+        <p:spPr>
+          <a:xfrm>
+            <a:off x="841247" y="2099734"/>
+            <a:ext cx="3914997" cy="3810001"/>
+          </a:xfrm>
+        </p:spPr>
+        <p:txBody>
+          <a:bodyPr>
+            <a:normAutofit/>
+          </a:bodyPr>
           <a:lstStyle/>
           <a:p>
             <a:pPr marL="285750" indent="-285750">
@@ -4708,7 +4720,7 @@
               <a:buChar char="•"/>
             </a:pPr>
             <a:r>
-              <a:rPr lang="en-US" dirty="0"/>
+              <a:rPr lang="en-US" sz="1800" dirty="0"/>
               <a:t>AI Layout</a:t>
             </a:r>
           </a:p>
@@ -4718,9 +4730,23 @@
               <a:buChar char="•"/>
             </a:pPr>
             <a:r>
-              <a:rPr lang="en-US" dirty="0"/>
+              <a:rPr lang="en-US" sz="1800" dirty="0"/>
               <a:t>Feed-Forward Neural Network</a:t>
             </a:r>
+          </a:p>
+          <a:p>
+            <a:pPr marL="742950" lvl="1" indent="-285750">
+              <a:buFont typeface="Arial" panose="020B0604020202020204" pitchFamily="34" charset="0"/>
+              <a:buChar char="•"/>
+            </a:pPr>
+            <a:endParaRPr lang="en-US" sz="1800" dirty="0"/>
+          </a:p>
+          <a:p>
+            <a:pPr marL="742950" lvl="1" indent="-285750">
+              <a:buFont typeface="Arial" panose="020B0604020202020204" pitchFamily="34" charset="0"/>
+              <a:buChar char="•"/>
+            </a:pPr>
+            <a:endParaRPr lang="en-US" sz="1800" dirty="0"/>
           </a:p>
           <a:p>
             <a:pPr marL="285750" indent="-285750">
@@ -4728,7 +4754,7 @@
               <a:buChar char="•"/>
             </a:pPr>
             <a:r>
-              <a:rPr lang="en-US" dirty="0"/>
+              <a:rPr lang="en-US" sz="1800" dirty="0"/>
               <a:t>Training Algorithm</a:t>
             </a:r>
           </a:p>
@@ -4738,7 +4764,7 @@
               <a:buChar char="•"/>
             </a:pPr>
             <a:r>
-              <a:rPr lang="en-US" dirty="0"/>
+              <a:rPr lang="en-US" sz="1800" dirty="0"/>
               <a:t>Evolutionary Selection Algorithm</a:t>
             </a:r>
           </a:p>
@@ -4748,28 +4774,8 @@
               <a:buChar char="•"/>
             </a:pPr>
             <a:r>
-              <a:rPr lang="en-US" dirty="0"/>
+              <a:rPr lang="en-US" sz="1800" dirty="0"/>
               <a:t>Agents are scored based on performance</a:t>
-            </a:r>
-          </a:p>
-          <a:p>
-            <a:pPr marL="742950" lvl="1" indent="-285750">
-              <a:buFont typeface="Arial" panose="020B0604020202020204" pitchFamily="34" charset="0"/>
-              <a:buChar char="•"/>
-            </a:pPr>
-            <a:r>
-              <a:rPr lang="en-US" dirty="0"/>
-              <a:t>Agents with the highest “fitness” are selected to be the basis of the next generation</a:t>
-            </a:r>
-          </a:p>
-          <a:p>
-            <a:pPr marL="742950" lvl="1" indent="-285750">
-              <a:buFont typeface="Arial" panose="020B0604020202020204" pitchFamily="34" charset="0"/>
-              <a:buChar char="•"/>
-            </a:pPr>
-            <a:r>
-              <a:rPr lang="en-US" dirty="0"/>
-              <a:t>Agent network values are randomly adjusted every generation</a:t>
             </a:r>
           </a:p>
         </p:txBody>
@@ -4899,7 +4905,9 @@
         </p:nvSpPr>
         <p:spPr/>
         <p:txBody>
-          <a:bodyPr/>
+          <a:bodyPr>
+            <a:normAutofit/>
+          </a:bodyPr>
           <a:lstStyle/>
           <a:p>
             <a:pPr marL="285750" indent="-285750">
@@ -4907,7 +4915,7 @@
               <a:buChar char="•"/>
             </a:pPr>
             <a:r>
-              <a:rPr lang="en-US" dirty="0"/>
+              <a:rPr lang="en-US" sz="1600" dirty="0"/>
               <a:t>Each neuron is defined as a series of inputs, a weight for each input, a bias value and an activation function</a:t>
             </a:r>
           </a:p>
@@ -4917,7 +4925,7 @@
               <a:buChar char="•"/>
             </a:pPr>
             <a:r>
-              <a:rPr lang="en-US" dirty="0"/>
+              <a:rPr lang="en-US" sz="1600" dirty="0"/>
               <a:t>The network is designed as multiple layers of stacked neurons where each neuron is connected to every neuron in the next layer</a:t>
             </a:r>
           </a:p>
@@ -4927,7 +4935,7 @@
               <a:buChar char="•"/>
             </a:pPr>
             <a:r>
-              <a:rPr lang="en-US" dirty="0"/>
+              <a:rPr lang="en-US" sz="1600" dirty="0"/>
               <a:t>The size of my network remains constant throughout training</a:t>
             </a:r>
           </a:p>
@@ -4957,11 +4965,220 @@
         </p:blipFill>
         <p:spPr>
           <a:xfrm>
-            <a:off x="4503738" y="848368"/>
-            <a:ext cx="6080125" cy="5161263"/>
+            <a:off x="5377195" y="520822"/>
+            <a:ext cx="4763092" cy="4043267"/>
           </a:xfrm>
         </p:spPr>
       </p:pic>
+      <p:sp>
+        <p:nvSpPr>
+          <p:cNvPr id="3" name="TextBox 2">
+            <a:extLst>
+              <a:ext uri="{FF2B5EF4-FFF2-40B4-BE49-F238E27FC236}">
+                <a16:creationId xmlns:a16="http://schemas.microsoft.com/office/drawing/2014/main" id="{58E934F9-5706-843A-B921-AC80C03796F6}"/>
+              </a:ext>
+            </a:extLst>
+          </p:cNvPr>
+          <p:cNvSpPr txBox="1"/>
+          <p:nvPr/>
+        </p:nvSpPr>
+        <p:spPr>
+          <a:xfrm>
+            <a:off x="5929656" y="4576650"/>
+            <a:ext cx="3490058" cy="523220"/>
+          </a:xfrm>
+          <a:prstGeom prst="rect">
+            <a:avLst/>
+          </a:prstGeom>
+          <a:noFill/>
+        </p:spPr>
+        <p:txBody>
+          <a:bodyPr wrap="none" rtlCol="0">
+            <a:spAutoFit/>
+          </a:bodyPr>
+          <a:lstStyle/>
+          <a:p>
+            <a:r>
+              <a:rPr lang="en-CA" sz="2800" dirty="0"/>
+              <a:t>Activation Function</a:t>
+            </a:r>
+          </a:p>
+        </p:txBody>
+      </p:sp>
+      <mc:AlternateContent xmlns:mc="http://schemas.openxmlformats.org/markup-compatibility/2006">
+        <mc:Choice xmlns:a14="http://schemas.microsoft.com/office/drawing/2010/main" Requires="a14">
+          <p:sp>
+            <p:nvSpPr>
+              <p:cNvPr id="5" name="TextBox 4">
+                <a:extLst>
+                  <a:ext uri="{FF2B5EF4-FFF2-40B4-BE49-F238E27FC236}">
+                    <a16:creationId xmlns:a16="http://schemas.microsoft.com/office/drawing/2014/main" id="{39B67EC1-5E28-517C-965A-62368EA9C490}"/>
+                  </a:ext>
+                </a:extLst>
+              </p:cNvPr>
+              <p:cNvSpPr txBox="1"/>
+              <p:nvPr/>
+            </p:nvSpPr>
+            <p:spPr>
+              <a:xfrm>
+                <a:off x="6627796" y="5270697"/>
+                <a:ext cx="2093778" cy="687624"/>
+              </a:xfrm>
+              <a:prstGeom prst="rect">
+                <a:avLst/>
+              </a:prstGeom>
+              <a:noFill/>
+            </p:spPr>
+            <p:txBody>
+              <a:bodyPr wrap="none" rtlCol="0">
+                <a:spAutoFit/>
+              </a:bodyPr>
+              <a:lstStyle/>
+              <a:p>
+                <a:r>
+                  <a:rPr lang="en-CA" sz="2800" b="0" i="1" dirty="0"/>
+                  <a:t>f</a:t>
+                </a:r>
+                <a14:m>
+                  <m:oMath xmlns:m="http://schemas.openxmlformats.org/officeDocument/2006/math">
+                    <m:d>
+                      <m:dPr>
+                        <m:ctrlPr>
+                          <a:rPr lang="en-CA" sz="2800" b="0" i="1" smtClean="0">
+                            <a:latin typeface="Cambria Math" panose="02040503050406030204" pitchFamily="18" charset="0"/>
+                          </a:rPr>
+                        </m:ctrlPr>
+                      </m:dPr>
+                      <m:e>
+                        <m:r>
+                          <a:rPr lang="en-CA" sz="2800" b="0" i="1" smtClean="0">
+                            <a:latin typeface="Cambria Math" panose="02040503050406030204" pitchFamily="18" charset="0"/>
+                          </a:rPr>
+                          <m:t>𝑥</m:t>
+                        </m:r>
+                      </m:e>
+                    </m:d>
+                    <m:r>
+                      <a:rPr lang="en-CA" sz="2800" b="0" i="1" smtClean="0">
+                        <a:latin typeface="Cambria Math" panose="02040503050406030204" pitchFamily="18" charset="0"/>
+                      </a:rPr>
+                      <m:t>=</m:t>
+                    </m:r>
+                    <m:f>
+                      <m:fPr>
+                        <m:ctrlPr>
+                          <a:rPr lang="en-CA" sz="2800" b="0" i="1" smtClean="0">
+                            <a:latin typeface="Cambria Math" panose="02040503050406030204" pitchFamily="18" charset="0"/>
+                          </a:rPr>
+                        </m:ctrlPr>
+                      </m:fPr>
+                      <m:num>
+                        <m:r>
+                          <a:rPr lang="en-CA" sz="2800" b="0" i="1" smtClean="0">
+                            <a:latin typeface="Cambria Math" panose="02040503050406030204" pitchFamily="18" charset="0"/>
+                          </a:rPr>
+                          <m:t>𝑥</m:t>
+                        </m:r>
+                      </m:num>
+                      <m:den>
+                        <m:rad>
+                          <m:radPr>
+                            <m:degHide m:val="on"/>
+                            <m:ctrlPr>
+                              <a:rPr lang="en-CA" sz="2800" b="0" i="1" smtClean="0">
+                                <a:latin typeface="Cambria Math" panose="02040503050406030204" pitchFamily="18" charset="0"/>
+                              </a:rPr>
+                            </m:ctrlPr>
+                          </m:radPr>
+                          <m:deg/>
+                          <m:e>
+                            <m:r>
+                              <a:rPr lang="en-CA" sz="2800" b="0" i="1" smtClean="0">
+                                <a:latin typeface="Cambria Math" panose="02040503050406030204" pitchFamily="18" charset="0"/>
+                              </a:rPr>
+                              <m:t>1+</m:t>
+                            </m:r>
+                            <m:sSup>
+                              <m:sSupPr>
+                                <m:ctrlPr>
+                                  <a:rPr lang="en-CA" sz="2800" b="0" i="1" smtClean="0">
+                                    <a:latin typeface="Cambria Math" panose="02040503050406030204" pitchFamily="18" charset="0"/>
+                                  </a:rPr>
+                                </m:ctrlPr>
+                              </m:sSupPr>
+                              <m:e>
+                                <m:r>
+                                  <a:rPr lang="en-CA" sz="2800" b="0" i="1" smtClean="0">
+                                    <a:latin typeface="Cambria Math" panose="02040503050406030204" pitchFamily="18" charset="0"/>
+                                  </a:rPr>
+                                  <m:t>𝑥</m:t>
+                                </m:r>
+                              </m:e>
+                              <m:sup>
+                                <m:r>
+                                  <a:rPr lang="en-CA" sz="2800" b="0" i="1" smtClean="0">
+                                    <a:latin typeface="Cambria Math" panose="02040503050406030204" pitchFamily="18" charset="0"/>
+                                  </a:rPr>
+                                  <m:t>2</m:t>
+                                </m:r>
+                              </m:sup>
+                            </m:sSup>
+                          </m:e>
+                        </m:rad>
+                      </m:den>
+                    </m:f>
+                  </m:oMath>
+                </a14:m>
+                <a:endParaRPr lang="en-CA" sz="2800" dirty="0"/>
+              </a:p>
+            </p:txBody>
+          </p:sp>
+        </mc:Choice>
+        <mc:Fallback>
+          <p:sp>
+            <p:nvSpPr>
+              <p:cNvPr id="5" name="TextBox 4">
+                <a:extLst>
+                  <a:ext uri="{FF2B5EF4-FFF2-40B4-BE49-F238E27FC236}">
+                    <a16:creationId xmlns:a16="http://schemas.microsoft.com/office/drawing/2014/main" id="{39B67EC1-5E28-517C-965A-62368EA9C490}"/>
+                  </a:ext>
+                </a:extLst>
+              </p:cNvPr>
+              <p:cNvSpPr txBox="1">
+                <a:spLocks noRot="1" noChangeAspect="1" noMove="1" noResize="1" noEditPoints="1" noAdjustHandles="1" noChangeArrowheads="1" noChangeShapeType="1" noTextEdit="1"/>
+              </p:cNvSpPr>
+              <p:nvPr/>
+            </p:nvSpPr>
+            <p:spPr>
+              <a:xfrm>
+                <a:off x="6627796" y="5270697"/>
+                <a:ext cx="2093778" cy="687624"/>
+              </a:xfrm>
+              <a:prstGeom prst="rect">
+                <a:avLst/>
+              </a:prstGeom>
+              <a:blipFill>
+                <a:blip r:embed="rId3"/>
+                <a:stretch>
+                  <a:fillRect l="-5814" t="-4464" b="-6250"/>
+                </a:stretch>
+              </a:blipFill>
+            </p:spPr>
+            <p:txBody>
+              <a:bodyPr/>
+              <a:lstStyle/>
+              <a:p>
+                <a:r>
+                  <a:rPr lang="en-CA">
+                    <a:noFill/>
+                  </a:rPr>
+                  <a:t> </a:t>
+                </a:r>
+              </a:p>
+            </p:txBody>
+          </p:sp>
+        </mc:Fallback>
+      </mc:AlternateContent>
     </p:spTree>
     <p:extLst>
       <p:ext uri="{BB962C8B-B14F-4D97-AF65-F5344CB8AC3E}">
@@ -5621,7 +5838,7 @@
           <a:p>
             <a:r>
               <a:rPr lang="en-US" dirty="0"/>
-              <a:t>How My Implementation Differs</a:t>
+              <a:t>What’s Unique about my Agent</a:t>
             </a:r>
           </a:p>
         </p:txBody>
@@ -5653,35 +5870,1618 @@
             </a:r>
           </a:p>
           <a:p>
+            <a:pPr marL="468630" indent="-285750"/>
             <a:r>
               <a:rPr lang="en-US" dirty="0"/>
-              <a:t>“Neural Network Design” does not consider this method of training</a:t>
-            </a:r>
-          </a:p>
-        </p:txBody>
-      </p:sp>
-      <p:sp>
-        <p:nvSpPr>
-          <p:cNvPr id="4" name="Content Placeholder 3">
-            <a:extLst>
-              <a:ext uri="{FF2B5EF4-FFF2-40B4-BE49-F238E27FC236}">
-                <a16:creationId xmlns:a16="http://schemas.microsoft.com/office/drawing/2014/main" id="{89F17683-E90B-EE60-DD48-DBBB019228D1}"/>
-              </a:ext>
-            </a:extLst>
-          </p:cNvPr>
-          <p:cNvSpPr>
-            <a:spLocks noGrp="1"/>
-          </p:cNvSpPr>
-          <p:nvPr>
-            <p:ph sz="half" idx="2"/>
-          </p:nvPr>
-        </p:nvSpPr>
-        <p:spPr/>
-        <p:txBody>
-          <a:bodyPr/>
-          <a:lstStyle/>
+              <a:t>Agents with the highest “fitness” are selected to be the basis of the next generation</a:t>
+            </a:r>
+          </a:p>
+          <a:p>
+            <a:pPr marL="468630" indent="-285750"/>
+            <a:r>
+              <a:rPr lang="en-US" dirty="0"/>
+              <a:t>Agent network values are randomly adjusted every generation</a:t>
+            </a:r>
+          </a:p>
           <a:p>
             <a:endParaRPr lang="en-US" dirty="0"/>
+          </a:p>
+        </p:txBody>
+      </p:sp>
+      <p:sp>
+        <p:nvSpPr>
+          <p:cNvPr id="5" name="Flowchart: Connector 4">
+            <a:extLst>
+              <a:ext uri="{FF2B5EF4-FFF2-40B4-BE49-F238E27FC236}">
+                <a16:creationId xmlns:a16="http://schemas.microsoft.com/office/drawing/2014/main" id="{00070304-9FD7-CAF0-A7CB-6F181B0EDCAD}"/>
+              </a:ext>
+            </a:extLst>
+          </p:cNvPr>
+          <p:cNvSpPr/>
+          <p:nvPr/>
+        </p:nvSpPr>
+        <p:spPr>
+          <a:xfrm>
+            <a:off x="8065827" y="2442949"/>
+            <a:ext cx="457200" cy="457200"/>
+          </a:xfrm>
+          <a:prstGeom prst="flowChartConnector">
+            <a:avLst/>
+          </a:prstGeom>
+        </p:spPr>
+        <p:style>
+          <a:lnRef idx="2">
+            <a:schemeClr val="accent1">
+              <a:shade val="15000"/>
+            </a:schemeClr>
+          </a:lnRef>
+          <a:fillRef idx="1">
+            <a:schemeClr val="accent1"/>
+          </a:fillRef>
+          <a:effectRef idx="0">
+            <a:schemeClr val="accent1"/>
+          </a:effectRef>
+          <a:fontRef idx="minor">
+            <a:schemeClr val="lt1"/>
+          </a:fontRef>
+        </p:style>
+        <p:txBody>
+          <a:bodyPr rtlCol="0" anchor="ctr"/>
+          <a:lstStyle/>
+          <a:p>
+            <a:pPr algn="ctr"/>
+            <a:endParaRPr lang="en-CA"/>
+          </a:p>
+        </p:txBody>
+      </p:sp>
+      <p:sp>
+        <p:nvSpPr>
+          <p:cNvPr id="6" name="Flowchart: Connector 5">
+            <a:extLst>
+              <a:ext uri="{FF2B5EF4-FFF2-40B4-BE49-F238E27FC236}">
+                <a16:creationId xmlns:a16="http://schemas.microsoft.com/office/drawing/2014/main" id="{DC8B0320-8E1C-3E4C-F1B0-6E82409E2E9F}"/>
+              </a:ext>
+            </a:extLst>
+          </p:cNvPr>
+          <p:cNvSpPr/>
+          <p:nvPr/>
+        </p:nvSpPr>
+        <p:spPr>
+          <a:xfrm>
+            <a:off x="7349456" y="2442949"/>
+            <a:ext cx="457200" cy="457200"/>
+          </a:xfrm>
+          <a:prstGeom prst="flowChartConnector">
+            <a:avLst/>
+          </a:prstGeom>
+        </p:spPr>
+        <p:style>
+          <a:lnRef idx="2">
+            <a:schemeClr val="accent1">
+              <a:shade val="15000"/>
+            </a:schemeClr>
+          </a:lnRef>
+          <a:fillRef idx="1">
+            <a:schemeClr val="accent1"/>
+          </a:fillRef>
+          <a:effectRef idx="0">
+            <a:schemeClr val="accent1"/>
+          </a:effectRef>
+          <a:fontRef idx="minor">
+            <a:schemeClr val="lt1"/>
+          </a:fontRef>
+        </p:style>
+        <p:txBody>
+          <a:bodyPr rtlCol="0" anchor="ctr"/>
+          <a:lstStyle/>
+          <a:p>
+            <a:pPr algn="ctr"/>
+            <a:endParaRPr lang="en-CA"/>
+          </a:p>
+        </p:txBody>
+      </p:sp>
+      <p:sp>
+        <p:nvSpPr>
+          <p:cNvPr id="7" name="Flowchart: Connector 6">
+            <a:extLst>
+              <a:ext uri="{FF2B5EF4-FFF2-40B4-BE49-F238E27FC236}">
+                <a16:creationId xmlns:a16="http://schemas.microsoft.com/office/drawing/2014/main" id="{CE97327D-CC6D-A389-F3F4-C15DD06A5FA1}"/>
+              </a:ext>
+            </a:extLst>
+          </p:cNvPr>
+          <p:cNvSpPr/>
+          <p:nvPr/>
+        </p:nvSpPr>
+        <p:spPr>
+          <a:xfrm>
+            <a:off x="9498569" y="2442949"/>
+            <a:ext cx="457200" cy="457200"/>
+          </a:xfrm>
+          <a:prstGeom prst="flowChartConnector">
+            <a:avLst/>
+          </a:prstGeom>
+        </p:spPr>
+        <p:style>
+          <a:lnRef idx="2">
+            <a:schemeClr val="accent1">
+              <a:shade val="15000"/>
+            </a:schemeClr>
+          </a:lnRef>
+          <a:fillRef idx="1">
+            <a:schemeClr val="accent1"/>
+          </a:fillRef>
+          <a:effectRef idx="0">
+            <a:schemeClr val="accent1"/>
+          </a:effectRef>
+          <a:fontRef idx="minor">
+            <a:schemeClr val="lt1"/>
+          </a:fontRef>
+        </p:style>
+        <p:txBody>
+          <a:bodyPr rtlCol="0" anchor="ctr"/>
+          <a:lstStyle/>
+          <a:p>
+            <a:pPr algn="ctr"/>
+            <a:endParaRPr lang="en-CA"/>
+          </a:p>
+        </p:txBody>
+      </p:sp>
+      <p:sp>
+        <p:nvSpPr>
+          <p:cNvPr id="8" name="Flowchart: Connector 7">
+            <a:extLst>
+              <a:ext uri="{FF2B5EF4-FFF2-40B4-BE49-F238E27FC236}">
+                <a16:creationId xmlns:a16="http://schemas.microsoft.com/office/drawing/2014/main" id="{EBA26AD5-D9D5-022D-A96D-1FF58BD555D8}"/>
+              </a:ext>
+            </a:extLst>
+          </p:cNvPr>
+          <p:cNvSpPr/>
+          <p:nvPr/>
+        </p:nvSpPr>
+        <p:spPr>
+          <a:xfrm>
+            <a:off x="8782198" y="2453185"/>
+            <a:ext cx="457200" cy="457200"/>
+          </a:xfrm>
+          <a:prstGeom prst="flowChartConnector">
+            <a:avLst/>
+          </a:prstGeom>
+        </p:spPr>
+        <p:style>
+          <a:lnRef idx="2">
+            <a:schemeClr val="accent1">
+              <a:shade val="15000"/>
+            </a:schemeClr>
+          </a:lnRef>
+          <a:fillRef idx="1">
+            <a:schemeClr val="accent1"/>
+          </a:fillRef>
+          <a:effectRef idx="0">
+            <a:schemeClr val="accent1"/>
+          </a:effectRef>
+          <a:fontRef idx="minor">
+            <a:schemeClr val="lt1"/>
+          </a:fontRef>
+        </p:style>
+        <p:txBody>
+          <a:bodyPr rtlCol="0" anchor="ctr"/>
+          <a:lstStyle/>
+          <a:p>
+            <a:pPr algn="ctr"/>
+            <a:endParaRPr lang="en-CA"/>
+          </a:p>
+        </p:txBody>
+      </p:sp>
+      <p:sp>
+        <p:nvSpPr>
+          <p:cNvPr id="9" name="Flowchart: Connector 8">
+            <a:extLst>
+              <a:ext uri="{FF2B5EF4-FFF2-40B4-BE49-F238E27FC236}">
+                <a16:creationId xmlns:a16="http://schemas.microsoft.com/office/drawing/2014/main" id="{3ACD990D-23DA-4AEE-C8F0-F07FB6370A46}"/>
+              </a:ext>
+            </a:extLst>
+          </p:cNvPr>
+          <p:cNvSpPr/>
+          <p:nvPr/>
+        </p:nvSpPr>
+        <p:spPr>
+          <a:xfrm>
+            <a:off x="6633085" y="2442949"/>
+            <a:ext cx="457200" cy="457200"/>
+          </a:xfrm>
+          <a:prstGeom prst="flowChartConnector">
+            <a:avLst/>
+          </a:prstGeom>
+        </p:spPr>
+        <p:style>
+          <a:lnRef idx="2">
+            <a:schemeClr val="accent1">
+              <a:shade val="15000"/>
+            </a:schemeClr>
+          </a:lnRef>
+          <a:fillRef idx="1">
+            <a:schemeClr val="accent1"/>
+          </a:fillRef>
+          <a:effectRef idx="0">
+            <a:schemeClr val="accent1"/>
+          </a:effectRef>
+          <a:fontRef idx="minor">
+            <a:schemeClr val="lt1"/>
+          </a:fontRef>
+        </p:style>
+        <p:txBody>
+          <a:bodyPr rtlCol="0" anchor="ctr"/>
+          <a:lstStyle/>
+          <a:p>
+            <a:pPr algn="ctr"/>
+            <a:endParaRPr lang="en-CA"/>
+          </a:p>
+        </p:txBody>
+      </p:sp>
+      <p:sp>
+        <p:nvSpPr>
+          <p:cNvPr id="10" name="Flowchart: Connector 9">
+            <a:extLst>
+              <a:ext uri="{FF2B5EF4-FFF2-40B4-BE49-F238E27FC236}">
+                <a16:creationId xmlns:a16="http://schemas.microsoft.com/office/drawing/2014/main" id="{06857391-72B4-ABE3-C89E-64E291CCB80E}"/>
+              </a:ext>
+            </a:extLst>
+          </p:cNvPr>
+          <p:cNvSpPr/>
+          <p:nvPr/>
+        </p:nvSpPr>
+        <p:spPr>
+          <a:xfrm>
+            <a:off x="8018060" y="3650775"/>
+            <a:ext cx="457200" cy="457200"/>
+          </a:xfrm>
+          <a:prstGeom prst="flowChartConnector">
+            <a:avLst/>
+          </a:prstGeom>
+        </p:spPr>
+        <p:style>
+          <a:lnRef idx="2">
+            <a:schemeClr val="accent1">
+              <a:shade val="15000"/>
+            </a:schemeClr>
+          </a:lnRef>
+          <a:fillRef idx="1">
+            <a:schemeClr val="accent1"/>
+          </a:fillRef>
+          <a:effectRef idx="0">
+            <a:schemeClr val="accent1"/>
+          </a:effectRef>
+          <a:fontRef idx="minor">
+            <a:schemeClr val="lt1"/>
+          </a:fontRef>
+        </p:style>
+        <p:txBody>
+          <a:bodyPr rtlCol="0" anchor="ctr"/>
+          <a:lstStyle/>
+          <a:p>
+            <a:pPr algn="ctr"/>
+            <a:endParaRPr lang="en-CA"/>
+          </a:p>
+        </p:txBody>
+      </p:sp>
+      <p:sp>
+        <p:nvSpPr>
+          <p:cNvPr id="11" name="Flowchart: Connector 10">
+            <a:extLst>
+              <a:ext uri="{FF2B5EF4-FFF2-40B4-BE49-F238E27FC236}">
+                <a16:creationId xmlns:a16="http://schemas.microsoft.com/office/drawing/2014/main" id="{F28F19A7-AD0C-92B2-6C59-6F2B254CD083}"/>
+              </a:ext>
+            </a:extLst>
+          </p:cNvPr>
+          <p:cNvSpPr/>
+          <p:nvPr/>
+        </p:nvSpPr>
+        <p:spPr>
+          <a:xfrm>
+            <a:off x="7301689" y="3650775"/>
+            <a:ext cx="457200" cy="457200"/>
+          </a:xfrm>
+          <a:prstGeom prst="flowChartConnector">
+            <a:avLst/>
+          </a:prstGeom>
+        </p:spPr>
+        <p:style>
+          <a:lnRef idx="2">
+            <a:schemeClr val="accent1">
+              <a:shade val="15000"/>
+            </a:schemeClr>
+          </a:lnRef>
+          <a:fillRef idx="1">
+            <a:schemeClr val="accent1"/>
+          </a:fillRef>
+          <a:effectRef idx="0">
+            <a:schemeClr val="accent1"/>
+          </a:effectRef>
+          <a:fontRef idx="minor">
+            <a:schemeClr val="lt1"/>
+          </a:fontRef>
+        </p:style>
+        <p:txBody>
+          <a:bodyPr rtlCol="0" anchor="ctr"/>
+          <a:lstStyle/>
+          <a:p>
+            <a:pPr algn="ctr"/>
+            <a:endParaRPr lang="en-CA"/>
+          </a:p>
+        </p:txBody>
+      </p:sp>
+      <p:sp>
+        <p:nvSpPr>
+          <p:cNvPr id="12" name="Flowchart: Connector 11">
+            <a:extLst>
+              <a:ext uri="{FF2B5EF4-FFF2-40B4-BE49-F238E27FC236}">
+                <a16:creationId xmlns:a16="http://schemas.microsoft.com/office/drawing/2014/main" id="{8625C6F4-7D66-69DC-3E5A-91285B6E7A4B}"/>
+              </a:ext>
+            </a:extLst>
+          </p:cNvPr>
+          <p:cNvSpPr/>
+          <p:nvPr/>
+        </p:nvSpPr>
+        <p:spPr>
+          <a:xfrm>
+            <a:off x="9450802" y="3650775"/>
+            <a:ext cx="457200" cy="457200"/>
+          </a:xfrm>
+          <a:prstGeom prst="flowChartConnector">
+            <a:avLst/>
+          </a:prstGeom>
+        </p:spPr>
+        <p:style>
+          <a:lnRef idx="2">
+            <a:schemeClr val="accent1">
+              <a:shade val="15000"/>
+            </a:schemeClr>
+          </a:lnRef>
+          <a:fillRef idx="1">
+            <a:schemeClr val="accent1"/>
+          </a:fillRef>
+          <a:effectRef idx="0">
+            <a:schemeClr val="accent1"/>
+          </a:effectRef>
+          <a:fontRef idx="minor">
+            <a:schemeClr val="lt1"/>
+          </a:fontRef>
+        </p:style>
+        <p:txBody>
+          <a:bodyPr rtlCol="0" anchor="ctr"/>
+          <a:lstStyle/>
+          <a:p>
+            <a:pPr algn="ctr"/>
+            <a:endParaRPr lang="en-CA"/>
+          </a:p>
+        </p:txBody>
+      </p:sp>
+      <p:sp>
+        <p:nvSpPr>
+          <p:cNvPr id="13" name="Flowchart: Connector 12">
+            <a:extLst>
+              <a:ext uri="{FF2B5EF4-FFF2-40B4-BE49-F238E27FC236}">
+                <a16:creationId xmlns:a16="http://schemas.microsoft.com/office/drawing/2014/main" id="{A59C90DB-6291-974F-428E-B35CE3D6FF40}"/>
+              </a:ext>
+            </a:extLst>
+          </p:cNvPr>
+          <p:cNvSpPr/>
+          <p:nvPr/>
+        </p:nvSpPr>
+        <p:spPr>
+          <a:xfrm>
+            <a:off x="8734431" y="3661011"/>
+            <a:ext cx="457200" cy="457200"/>
+          </a:xfrm>
+          <a:prstGeom prst="flowChartConnector">
+            <a:avLst/>
+          </a:prstGeom>
+        </p:spPr>
+        <p:style>
+          <a:lnRef idx="2">
+            <a:schemeClr val="accent1">
+              <a:shade val="15000"/>
+            </a:schemeClr>
+          </a:lnRef>
+          <a:fillRef idx="1">
+            <a:schemeClr val="accent1"/>
+          </a:fillRef>
+          <a:effectRef idx="0">
+            <a:schemeClr val="accent1"/>
+          </a:effectRef>
+          <a:fontRef idx="minor">
+            <a:schemeClr val="lt1"/>
+          </a:fontRef>
+        </p:style>
+        <p:txBody>
+          <a:bodyPr rtlCol="0" anchor="ctr"/>
+          <a:lstStyle/>
+          <a:p>
+            <a:pPr algn="ctr"/>
+            <a:endParaRPr lang="en-CA"/>
+          </a:p>
+        </p:txBody>
+      </p:sp>
+      <p:sp>
+        <p:nvSpPr>
+          <p:cNvPr id="14" name="Flowchart: Connector 13">
+            <a:extLst>
+              <a:ext uri="{FF2B5EF4-FFF2-40B4-BE49-F238E27FC236}">
+                <a16:creationId xmlns:a16="http://schemas.microsoft.com/office/drawing/2014/main" id="{091AC85F-7BF2-42B5-CBBE-5E7CE528E75F}"/>
+              </a:ext>
+            </a:extLst>
+          </p:cNvPr>
+          <p:cNvSpPr/>
+          <p:nvPr/>
+        </p:nvSpPr>
+        <p:spPr>
+          <a:xfrm>
+            <a:off x="6585318" y="3650775"/>
+            <a:ext cx="457200" cy="457200"/>
+          </a:xfrm>
+          <a:prstGeom prst="flowChartConnector">
+            <a:avLst/>
+          </a:prstGeom>
+        </p:spPr>
+        <p:style>
+          <a:lnRef idx="2">
+            <a:schemeClr val="accent1">
+              <a:shade val="15000"/>
+            </a:schemeClr>
+          </a:lnRef>
+          <a:fillRef idx="1">
+            <a:schemeClr val="accent1"/>
+          </a:fillRef>
+          <a:effectRef idx="0">
+            <a:schemeClr val="accent1"/>
+          </a:effectRef>
+          <a:fontRef idx="minor">
+            <a:schemeClr val="lt1"/>
+          </a:fontRef>
+        </p:style>
+        <p:txBody>
+          <a:bodyPr rtlCol="0" anchor="ctr"/>
+          <a:lstStyle/>
+          <a:p>
+            <a:pPr algn="ctr"/>
+            <a:endParaRPr lang="en-CA"/>
+          </a:p>
+        </p:txBody>
+      </p:sp>
+      <p:sp>
+        <p:nvSpPr>
+          <p:cNvPr id="15" name="Flowchart: Connector 14">
+            <a:extLst>
+              <a:ext uri="{FF2B5EF4-FFF2-40B4-BE49-F238E27FC236}">
+                <a16:creationId xmlns:a16="http://schemas.microsoft.com/office/drawing/2014/main" id="{290A52A4-1AB1-2950-61C7-D8B934A6B082}"/>
+              </a:ext>
+            </a:extLst>
+          </p:cNvPr>
+          <p:cNvSpPr/>
+          <p:nvPr/>
+        </p:nvSpPr>
+        <p:spPr>
+          <a:xfrm>
+            <a:off x="8018060" y="4869838"/>
+            <a:ext cx="457200" cy="457200"/>
+          </a:xfrm>
+          <a:prstGeom prst="flowChartConnector">
+            <a:avLst/>
+          </a:prstGeom>
+        </p:spPr>
+        <p:style>
+          <a:lnRef idx="2">
+            <a:schemeClr val="accent1">
+              <a:shade val="15000"/>
+            </a:schemeClr>
+          </a:lnRef>
+          <a:fillRef idx="1">
+            <a:schemeClr val="accent1"/>
+          </a:fillRef>
+          <a:effectRef idx="0">
+            <a:schemeClr val="accent1"/>
+          </a:effectRef>
+          <a:fontRef idx="minor">
+            <a:schemeClr val="lt1"/>
+          </a:fontRef>
+        </p:style>
+        <p:txBody>
+          <a:bodyPr rtlCol="0" anchor="ctr"/>
+          <a:lstStyle/>
+          <a:p>
+            <a:pPr algn="ctr"/>
+            <a:endParaRPr lang="en-CA"/>
+          </a:p>
+        </p:txBody>
+      </p:sp>
+      <p:sp>
+        <p:nvSpPr>
+          <p:cNvPr id="16" name="Flowchart: Connector 15">
+            <a:extLst>
+              <a:ext uri="{FF2B5EF4-FFF2-40B4-BE49-F238E27FC236}">
+                <a16:creationId xmlns:a16="http://schemas.microsoft.com/office/drawing/2014/main" id="{1F6AE9BA-7AE5-9C12-58BF-799F37A38474}"/>
+              </a:ext>
+            </a:extLst>
+          </p:cNvPr>
+          <p:cNvSpPr/>
+          <p:nvPr/>
+        </p:nvSpPr>
+        <p:spPr>
+          <a:xfrm>
+            <a:off x="7301689" y="4869838"/>
+            <a:ext cx="457200" cy="457200"/>
+          </a:xfrm>
+          <a:prstGeom prst="flowChartConnector">
+            <a:avLst/>
+          </a:prstGeom>
+        </p:spPr>
+        <p:style>
+          <a:lnRef idx="2">
+            <a:schemeClr val="accent1">
+              <a:shade val="15000"/>
+            </a:schemeClr>
+          </a:lnRef>
+          <a:fillRef idx="1">
+            <a:schemeClr val="accent1"/>
+          </a:fillRef>
+          <a:effectRef idx="0">
+            <a:schemeClr val="accent1"/>
+          </a:effectRef>
+          <a:fontRef idx="minor">
+            <a:schemeClr val="lt1"/>
+          </a:fontRef>
+        </p:style>
+        <p:txBody>
+          <a:bodyPr rtlCol="0" anchor="ctr"/>
+          <a:lstStyle/>
+          <a:p>
+            <a:pPr algn="ctr"/>
+            <a:endParaRPr lang="en-CA"/>
+          </a:p>
+        </p:txBody>
+      </p:sp>
+      <p:sp>
+        <p:nvSpPr>
+          <p:cNvPr id="17" name="Flowchart: Connector 16">
+            <a:extLst>
+              <a:ext uri="{FF2B5EF4-FFF2-40B4-BE49-F238E27FC236}">
+                <a16:creationId xmlns:a16="http://schemas.microsoft.com/office/drawing/2014/main" id="{BD2EC010-794C-1FCE-089B-94EE502F3D75}"/>
+              </a:ext>
+            </a:extLst>
+          </p:cNvPr>
+          <p:cNvSpPr/>
+          <p:nvPr/>
+        </p:nvSpPr>
+        <p:spPr>
+          <a:xfrm>
+            <a:off x="9450802" y="4869838"/>
+            <a:ext cx="457200" cy="457200"/>
+          </a:xfrm>
+          <a:prstGeom prst="flowChartConnector">
+            <a:avLst/>
+          </a:prstGeom>
+        </p:spPr>
+        <p:style>
+          <a:lnRef idx="2">
+            <a:schemeClr val="accent1">
+              <a:shade val="15000"/>
+            </a:schemeClr>
+          </a:lnRef>
+          <a:fillRef idx="1">
+            <a:schemeClr val="accent1"/>
+          </a:fillRef>
+          <a:effectRef idx="0">
+            <a:schemeClr val="accent1"/>
+          </a:effectRef>
+          <a:fontRef idx="minor">
+            <a:schemeClr val="lt1"/>
+          </a:fontRef>
+        </p:style>
+        <p:txBody>
+          <a:bodyPr rtlCol="0" anchor="ctr"/>
+          <a:lstStyle/>
+          <a:p>
+            <a:pPr algn="ctr"/>
+            <a:endParaRPr lang="en-CA"/>
+          </a:p>
+        </p:txBody>
+      </p:sp>
+      <p:sp>
+        <p:nvSpPr>
+          <p:cNvPr id="18" name="Flowchart: Connector 17">
+            <a:extLst>
+              <a:ext uri="{FF2B5EF4-FFF2-40B4-BE49-F238E27FC236}">
+                <a16:creationId xmlns:a16="http://schemas.microsoft.com/office/drawing/2014/main" id="{17D8FE96-2189-A08A-1D29-902A1EE4804B}"/>
+              </a:ext>
+            </a:extLst>
+          </p:cNvPr>
+          <p:cNvSpPr/>
+          <p:nvPr/>
+        </p:nvSpPr>
+        <p:spPr>
+          <a:xfrm>
+            <a:off x="8734431" y="4880074"/>
+            <a:ext cx="457200" cy="457200"/>
+          </a:xfrm>
+          <a:prstGeom prst="flowChartConnector">
+            <a:avLst/>
+          </a:prstGeom>
+        </p:spPr>
+        <p:style>
+          <a:lnRef idx="2">
+            <a:schemeClr val="accent1">
+              <a:shade val="15000"/>
+            </a:schemeClr>
+          </a:lnRef>
+          <a:fillRef idx="1">
+            <a:schemeClr val="accent1"/>
+          </a:fillRef>
+          <a:effectRef idx="0">
+            <a:schemeClr val="accent1"/>
+          </a:effectRef>
+          <a:fontRef idx="minor">
+            <a:schemeClr val="lt1"/>
+          </a:fontRef>
+        </p:style>
+        <p:txBody>
+          <a:bodyPr rtlCol="0" anchor="ctr"/>
+          <a:lstStyle/>
+          <a:p>
+            <a:pPr algn="ctr"/>
+            <a:endParaRPr lang="en-CA"/>
+          </a:p>
+        </p:txBody>
+      </p:sp>
+      <p:sp>
+        <p:nvSpPr>
+          <p:cNvPr id="19" name="Flowchart: Connector 18">
+            <a:extLst>
+              <a:ext uri="{FF2B5EF4-FFF2-40B4-BE49-F238E27FC236}">
+                <a16:creationId xmlns:a16="http://schemas.microsoft.com/office/drawing/2014/main" id="{DBDE4614-D91A-5859-DE07-2B81D10D1D38}"/>
+              </a:ext>
+            </a:extLst>
+          </p:cNvPr>
+          <p:cNvSpPr/>
+          <p:nvPr/>
+        </p:nvSpPr>
+        <p:spPr>
+          <a:xfrm>
+            <a:off x="6585318" y="4869838"/>
+            <a:ext cx="457200" cy="457200"/>
+          </a:xfrm>
+          <a:prstGeom prst="flowChartConnector">
+            <a:avLst/>
+          </a:prstGeom>
+        </p:spPr>
+        <p:style>
+          <a:lnRef idx="2">
+            <a:schemeClr val="accent1">
+              <a:shade val="15000"/>
+            </a:schemeClr>
+          </a:lnRef>
+          <a:fillRef idx="1">
+            <a:schemeClr val="accent1"/>
+          </a:fillRef>
+          <a:effectRef idx="0">
+            <a:schemeClr val="accent1"/>
+          </a:effectRef>
+          <a:fontRef idx="minor">
+            <a:schemeClr val="lt1"/>
+          </a:fontRef>
+        </p:style>
+        <p:txBody>
+          <a:bodyPr rtlCol="0" anchor="ctr"/>
+          <a:lstStyle/>
+          <a:p>
+            <a:pPr algn="ctr"/>
+            <a:endParaRPr lang="en-CA"/>
+          </a:p>
+        </p:txBody>
+      </p:sp>
+      <p:cxnSp>
+        <p:nvCxnSpPr>
+          <p:cNvPr id="21" name="Straight Arrow Connector 20">
+            <a:extLst>
+              <a:ext uri="{FF2B5EF4-FFF2-40B4-BE49-F238E27FC236}">
+                <a16:creationId xmlns:a16="http://schemas.microsoft.com/office/drawing/2014/main" id="{E715BC62-A8C5-A769-258C-8A7A12AD3F76}"/>
+              </a:ext>
+            </a:extLst>
+          </p:cNvPr>
+          <p:cNvCxnSpPr>
+            <a:stCxn id="6" idx="4"/>
+            <a:endCxn id="14" idx="0"/>
+          </p:cNvCxnSpPr>
+          <p:nvPr/>
+        </p:nvCxnSpPr>
+        <p:spPr>
+          <a:xfrm flipH="1">
+            <a:off x="6813918" y="2900149"/>
+            <a:ext cx="764138" cy="750626"/>
+          </a:xfrm>
+          <a:prstGeom prst="straightConnector1">
+            <a:avLst/>
+          </a:prstGeom>
+          <a:ln w="50800">
+            <a:tailEnd type="triangle"/>
+          </a:ln>
+        </p:spPr>
+        <p:style>
+          <a:lnRef idx="1">
+            <a:schemeClr val="accent1"/>
+          </a:lnRef>
+          <a:fillRef idx="0">
+            <a:schemeClr val="accent1"/>
+          </a:fillRef>
+          <a:effectRef idx="0">
+            <a:schemeClr val="accent1"/>
+          </a:effectRef>
+          <a:fontRef idx="minor">
+            <a:schemeClr val="tx1"/>
+          </a:fontRef>
+        </p:style>
+      </p:cxnSp>
+      <p:cxnSp>
+        <p:nvCxnSpPr>
+          <p:cNvPr id="23" name="Straight Arrow Connector 22">
+            <a:extLst>
+              <a:ext uri="{FF2B5EF4-FFF2-40B4-BE49-F238E27FC236}">
+                <a16:creationId xmlns:a16="http://schemas.microsoft.com/office/drawing/2014/main" id="{8E48283C-B62F-7A2A-94C4-2F3F9A08031F}"/>
+              </a:ext>
+            </a:extLst>
+          </p:cNvPr>
+          <p:cNvCxnSpPr>
+            <a:stCxn id="6" idx="4"/>
+            <a:endCxn id="10" idx="0"/>
+          </p:cNvCxnSpPr>
+          <p:nvPr/>
+        </p:nvCxnSpPr>
+        <p:spPr>
+          <a:xfrm>
+            <a:off x="7578056" y="2900149"/>
+            <a:ext cx="668604" cy="750626"/>
+          </a:xfrm>
+          <a:prstGeom prst="straightConnector1">
+            <a:avLst/>
+          </a:prstGeom>
+          <a:ln w="50800">
+            <a:tailEnd type="triangle"/>
+          </a:ln>
+        </p:spPr>
+        <p:style>
+          <a:lnRef idx="1">
+            <a:schemeClr val="accent1"/>
+          </a:lnRef>
+          <a:fillRef idx="0">
+            <a:schemeClr val="accent1"/>
+          </a:fillRef>
+          <a:effectRef idx="0">
+            <a:schemeClr val="accent1"/>
+          </a:effectRef>
+          <a:fontRef idx="minor">
+            <a:schemeClr val="tx1"/>
+          </a:fontRef>
+        </p:style>
+      </p:cxnSp>
+      <p:cxnSp>
+        <p:nvCxnSpPr>
+          <p:cNvPr id="25" name="Straight Arrow Connector 24">
+            <a:extLst>
+              <a:ext uri="{FF2B5EF4-FFF2-40B4-BE49-F238E27FC236}">
+                <a16:creationId xmlns:a16="http://schemas.microsoft.com/office/drawing/2014/main" id="{89E009F0-8B33-45F2-70D9-56AB67DDAC2C}"/>
+              </a:ext>
+            </a:extLst>
+          </p:cNvPr>
+          <p:cNvCxnSpPr>
+            <a:stCxn id="6" idx="4"/>
+            <a:endCxn id="12" idx="0"/>
+          </p:cNvCxnSpPr>
+          <p:nvPr/>
+        </p:nvCxnSpPr>
+        <p:spPr>
+          <a:xfrm>
+            <a:off x="7578056" y="2900149"/>
+            <a:ext cx="2101346" cy="750626"/>
+          </a:xfrm>
+          <a:prstGeom prst="straightConnector1">
+            <a:avLst/>
+          </a:prstGeom>
+          <a:ln w="50800">
+            <a:tailEnd type="triangle"/>
+          </a:ln>
+        </p:spPr>
+        <p:style>
+          <a:lnRef idx="1">
+            <a:schemeClr val="accent1"/>
+          </a:lnRef>
+          <a:fillRef idx="0">
+            <a:schemeClr val="accent1"/>
+          </a:fillRef>
+          <a:effectRef idx="0">
+            <a:schemeClr val="accent1"/>
+          </a:effectRef>
+          <a:fontRef idx="minor">
+            <a:schemeClr val="tx1"/>
+          </a:fontRef>
+        </p:style>
+      </p:cxnSp>
+      <p:cxnSp>
+        <p:nvCxnSpPr>
+          <p:cNvPr id="27" name="Straight Arrow Connector 26">
+            <a:extLst>
+              <a:ext uri="{FF2B5EF4-FFF2-40B4-BE49-F238E27FC236}">
+                <a16:creationId xmlns:a16="http://schemas.microsoft.com/office/drawing/2014/main" id="{3CCB0E3D-33F3-F8FD-E981-654A94F75A83}"/>
+              </a:ext>
+            </a:extLst>
+          </p:cNvPr>
+          <p:cNvCxnSpPr>
+            <a:stCxn id="7" idx="4"/>
+            <a:endCxn id="13" idx="0"/>
+          </p:cNvCxnSpPr>
+          <p:nvPr/>
+        </p:nvCxnSpPr>
+        <p:spPr>
+          <a:xfrm flipH="1">
+            <a:off x="8963031" y="2900149"/>
+            <a:ext cx="764138" cy="760862"/>
+          </a:xfrm>
+          <a:prstGeom prst="straightConnector1">
+            <a:avLst/>
+          </a:prstGeom>
+          <a:ln w="50800">
+            <a:tailEnd type="triangle"/>
+          </a:ln>
+        </p:spPr>
+        <p:style>
+          <a:lnRef idx="1">
+            <a:schemeClr val="accent1"/>
+          </a:lnRef>
+          <a:fillRef idx="0">
+            <a:schemeClr val="accent1"/>
+          </a:fillRef>
+          <a:effectRef idx="0">
+            <a:schemeClr val="accent1"/>
+          </a:effectRef>
+          <a:fontRef idx="minor">
+            <a:schemeClr val="tx1"/>
+          </a:fontRef>
+        </p:style>
+      </p:cxnSp>
+      <p:cxnSp>
+        <p:nvCxnSpPr>
+          <p:cNvPr id="29" name="Straight Arrow Connector 28">
+            <a:extLst>
+              <a:ext uri="{FF2B5EF4-FFF2-40B4-BE49-F238E27FC236}">
+                <a16:creationId xmlns:a16="http://schemas.microsoft.com/office/drawing/2014/main" id="{ABDB8901-93D5-E997-4D1A-F4E5BE0D713E}"/>
+              </a:ext>
+            </a:extLst>
+          </p:cNvPr>
+          <p:cNvCxnSpPr>
+            <a:stCxn id="7" idx="4"/>
+            <a:endCxn id="11" idx="0"/>
+          </p:cNvCxnSpPr>
+          <p:nvPr/>
+        </p:nvCxnSpPr>
+        <p:spPr>
+          <a:xfrm flipH="1">
+            <a:off x="7530289" y="2900149"/>
+            <a:ext cx="2196880" cy="750626"/>
+          </a:xfrm>
+          <a:prstGeom prst="straightConnector1">
+            <a:avLst/>
+          </a:prstGeom>
+          <a:ln w="50800">
+            <a:tailEnd type="triangle"/>
+          </a:ln>
+        </p:spPr>
+        <p:style>
+          <a:lnRef idx="1">
+            <a:schemeClr val="accent1"/>
+          </a:lnRef>
+          <a:fillRef idx="0">
+            <a:schemeClr val="accent1"/>
+          </a:fillRef>
+          <a:effectRef idx="0">
+            <a:schemeClr val="accent1"/>
+          </a:effectRef>
+          <a:fontRef idx="minor">
+            <a:schemeClr val="tx1"/>
+          </a:fontRef>
+        </p:style>
+      </p:cxnSp>
+      <p:cxnSp>
+        <p:nvCxnSpPr>
+          <p:cNvPr id="35" name="Straight Arrow Connector 34">
+            <a:extLst>
+              <a:ext uri="{FF2B5EF4-FFF2-40B4-BE49-F238E27FC236}">
+                <a16:creationId xmlns:a16="http://schemas.microsoft.com/office/drawing/2014/main" id="{746E5AAC-4F59-A26C-F2A5-B612BD39930E}"/>
+              </a:ext>
+            </a:extLst>
+          </p:cNvPr>
+          <p:cNvCxnSpPr>
+            <a:stCxn id="10" idx="4"/>
+            <a:endCxn id="15" idx="0"/>
+          </p:cNvCxnSpPr>
+          <p:nvPr/>
+        </p:nvCxnSpPr>
+        <p:spPr>
+          <a:xfrm>
+            <a:off x="8246660" y="4107975"/>
+            <a:ext cx="0" cy="761863"/>
+          </a:xfrm>
+          <a:prstGeom prst="straightConnector1">
+            <a:avLst/>
+          </a:prstGeom>
+          <a:ln w="50800">
+            <a:tailEnd type="triangle"/>
+          </a:ln>
+        </p:spPr>
+        <p:style>
+          <a:lnRef idx="1">
+            <a:schemeClr val="accent1"/>
+          </a:lnRef>
+          <a:fillRef idx="0">
+            <a:schemeClr val="accent1"/>
+          </a:fillRef>
+          <a:effectRef idx="0">
+            <a:schemeClr val="accent1"/>
+          </a:effectRef>
+          <a:fontRef idx="minor">
+            <a:schemeClr val="tx1"/>
+          </a:fontRef>
+        </p:style>
+      </p:cxnSp>
+      <p:cxnSp>
+        <p:nvCxnSpPr>
+          <p:cNvPr id="37" name="Straight Arrow Connector 36">
+            <a:extLst>
+              <a:ext uri="{FF2B5EF4-FFF2-40B4-BE49-F238E27FC236}">
+                <a16:creationId xmlns:a16="http://schemas.microsoft.com/office/drawing/2014/main" id="{53F5B78C-73F1-5583-98E6-168906A960B2}"/>
+              </a:ext>
+            </a:extLst>
+          </p:cNvPr>
+          <p:cNvCxnSpPr>
+            <a:stCxn id="10" idx="4"/>
+            <a:endCxn id="19" idx="0"/>
+          </p:cNvCxnSpPr>
+          <p:nvPr/>
+        </p:nvCxnSpPr>
+        <p:spPr>
+          <a:xfrm flipH="1">
+            <a:off x="6813918" y="4107975"/>
+            <a:ext cx="1432742" cy="761863"/>
+          </a:xfrm>
+          <a:prstGeom prst="straightConnector1">
+            <a:avLst/>
+          </a:prstGeom>
+          <a:ln w="50800">
+            <a:tailEnd type="triangle"/>
+          </a:ln>
+        </p:spPr>
+        <p:style>
+          <a:lnRef idx="1">
+            <a:schemeClr val="accent1"/>
+          </a:lnRef>
+          <a:fillRef idx="0">
+            <a:schemeClr val="accent1"/>
+          </a:fillRef>
+          <a:effectRef idx="0">
+            <a:schemeClr val="accent1"/>
+          </a:effectRef>
+          <a:fontRef idx="minor">
+            <a:schemeClr val="tx1"/>
+          </a:fontRef>
+        </p:style>
+      </p:cxnSp>
+      <p:cxnSp>
+        <p:nvCxnSpPr>
+          <p:cNvPr id="39" name="Straight Arrow Connector 38">
+            <a:extLst>
+              <a:ext uri="{FF2B5EF4-FFF2-40B4-BE49-F238E27FC236}">
+                <a16:creationId xmlns:a16="http://schemas.microsoft.com/office/drawing/2014/main" id="{E0AC7D40-43AE-9AD0-FC19-EC3AA85A63BE}"/>
+              </a:ext>
+            </a:extLst>
+          </p:cNvPr>
+          <p:cNvCxnSpPr>
+            <a:stCxn id="13" idx="4"/>
+            <a:endCxn id="16" idx="0"/>
+          </p:cNvCxnSpPr>
+          <p:nvPr/>
+        </p:nvCxnSpPr>
+        <p:spPr>
+          <a:xfrm flipH="1">
+            <a:off x="7530289" y="4118211"/>
+            <a:ext cx="1432742" cy="751627"/>
+          </a:xfrm>
+          <a:prstGeom prst="straightConnector1">
+            <a:avLst/>
+          </a:prstGeom>
+          <a:ln w="50800">
+            <a:tailEnd type="triangle"/>
+          </a:ln>
+        </p:spPr>
+        <p:style>
+          <a:lnRef idx="1">
+            <a:schemeClr val="accent1"/>
+          </a:lnRef>
+          <a:fillRef idx="0">
+            <a:schemeClr val="accent1"/>
+          </a:fillRef>
+          <a:effectRef idx="0">
+            <a:schemeClr val="accent1"/>
+          </a:effectRef>
+          <a:fontRef idx="minor">
+            <a:schemeClr val="tx1"/>
+          </a:fontRef>
+        </p:style>
+      </p:cxnSp>
+      <p:cxnSp>
+        <p:nvCxnSpPr>
+          <p:cNvPr id="43" name="Straight Arrow Connector 42">
+            <a:extLst>
+              <a:ext uri="{FF2B5EF4-FFF2-40B4-BE49-F238E27FC236}">
+                <a16:creationId xmlns:a16="http://schemas.microsoft.com/office/drawing/2014/main" id="{93CEED4B-F63E-D73E-2009-410F7803949B}"/>
+              </a:ext>
+            </a:extLst>
+          </p:cNvPr>
+          <p:cNvCxnSpPr>
+            <a:stCxn id="13" idx="4"/>
+            <a:endCxn id="18" idx="0"/>
+          </p:cNvCxnSpPr>
+          <p:nvPr/>
+        </p:nvCxnSpPr>
+        <p:spPr>
+          <a:xfrm>
+            <a:off x="8963031" y="4118211"/>
+            <a:ext cx="0" cy="761863"/>
+          </a:xfrm>
+          <a:prstGeom prst="straightConnector1">
+            <a:avLst/>
+          </a:prstGeom>
+          <a:ln w="50800">
+            <a:tailEnd type="triangle"/>
+          </a:ln>
+        </p:spPr>
+        <p:style>
+          <a:lnRef idx="1">
+            <a:schemeClr val="accent1"/>
+          </a:lnRef>
+          <a:fillRef idx="0">
+            <a:schemeClr val="accent1"/>
+          </a:fillRef>
+          <a:effectRef idx="0">
+            <a:schemeClr val="accent1"/>
+          </a:effectRef>
+          <a:fontRef idx="minor">
+            <a:schemeClr val="tx1"/>
+          </a:fontRef>
+        </p:style>
+      </p:cxnSp>
+      <p:cxnSp>
+        <p:nvCxnSpPr>
+          <p:cNvPr id="45" name="Straight Arrow Connector 44">
+            <a:extLst>
+              <a:ext uri="{FF2B5EF4-FFF2-40B4-BE49-F238E27FC236}">
+                <a16:creationId xmlns:a16="http://schemas.microsoft.com/office/drawing/2014/main" id="{A6E042AA-B876-CA1F-BF52-9FCF81A9FD3F}"/>
+              </a:ext>
+            </a:extLst>
+          </p:cNvPr>
+          <p:cNvCxnSpPr>
+            <a:cxnSpLocks/>
+            <a:stCxn id="13" idx="4"/>
+            <a:endCxn id="17" idx="0"/>
+          </p:cNvCxnSpPr>
+          <p:nvPr/>
+        </p:nvCxnSpPr>
+        <p:spPr>
+          <a:xfrm>
+            <a:off x="8963031" y="4118211"/>
+            <a:ext cx="716371" cy="751627"/>
+          </a:xfrm>
+          <a:prstGeom prst="straightConnector1">
+            <a:avLst/>
+          </a:prstGeom>
+          <a:ln w="50800">
+            <a:tailEnd type="triangle"/>
+          </a:ln>
+        </p:spPr>
+        <p:style>
+          <a:lnRef idx="1">
+            <a:schemeClr val="accent1"/>
+          </a:lnRef>
+          <a:fillRef idx="0">
+            <a:schemeClr val="accent1"/>
+          </a:fillRef>
+          <a:effectRef idx="0">
+            <a:schemeClr val="accent1"/>
+          </a:effectRef>
+          <a:fontRef idx="minor">
+            <a:schemeClr val="tx1"/>
+          </a:fontRef>
+        </p:style>
+      </p:cxnSp>
+      <p:sp>
+        <p:nvSpPr>
+          <p:cNvPr id="46" name="Multiplication Sign 45">
+            <a:extLst>
+              <a:ext uri="{FF2B5EF4-FFF2-40B4-BE49-F238E27FC236}">
+                <a16:creationId xmlns:a16="http://schemas.microsoft.com/office/drawing/2014/main" id="{F5044F50-2F91-B49F-22AF-C4C9249EACB8}"/>
+              </a:ext>
+            </a:extLst>
+          </p:cNvPr>
+          <p:cNvSpPr/>
+          <p:nvPr/>
+        </p:nvSpPr>
+        <p:spPr>
+          <a:xfrm>
+            <a:off x="6442365" y="3504062"/>
+            <a:ext cx="764131" cy="750626"/>
+          </a:xfrm>
+          <a:prstGeom prst="mathMultiply">
+            <a:avLst/>
+          </a:prstGeom>
+          <a:solidFill>
+            <a:srgbClr val="C00000"/>
+          </a:solidFill>
+          <a:ln w="0">
+            <a:solidFill>
+              <a:srgbClr val="C00000"/>
+            </a:solidFill>
+          </a:ln>
+        </p:spPr>
+        <p:style>
+          <a:lnRef idx="2">
+            <a:schemeClr val="accent1">
+              <a:shade val="15000"/>
+            </a:schemeClr>
+          </a:lnRef>
+          <a:fillRef idx="1">
+            <a:schemeClr val="accent1"/>
+          </a:fillRef>
+          <a:effectRef idx="0">
+            <a:schemeClr val="accent1"/>
+          </a:effectRef>
+          <a:fontRef idx="minor">
+            <a:schemeClr val="lt1"/>
+          </a:fontRef>
+        </p:style>
+        <p:txBody>
+          <a:bodyPr rtlCol="0" anchor="ctr"/>
+          <a:lstStyle/>
+          <a:p>
+            <a:pPr algn="ctr"/>
+            <a:endParaRPr lang="en-CA"/>
+          </a:p>
+        </p:txBody>
+      </p:sp>
+      <p:sp>
+        <p:nvSpPr>
+          <p:cNvPr id="50" name="Multiplication Sign 49">
+            <a:extLst>
+              <a:ext uri="{FF2B5EF4-FFF2-40B4-BE49-F238E27FC236}">
+                <a16:creationId xmlns:a16="http://schemas.microsoft.com/office/drawing/2014/main" id="{B6BF2A11-B22E-E68B-D25F-3EA76BBEFE86}"/>
+              </a:ext>
+            </a:extLst>
+          </p:cNvPr>
+          <p:cNvSpPr/>
+          <p:nvPr/>
+        </p:nvSpPr>
+        <p:spPr>
+          <a:xfrm>
+            <a:off x="7150316" y="3493826"/>
+            <a:ext cx="764131" cy="750626"/>
+          </a:xfrm>
+          <a:prstGeom prst="mathMultiply">
+            <a:avLst/>
+          </a:prstGeom>
+          <a:solidFill>
+            <a:srgbClr val="C00000"/>
+          </a:solidFill>
+          <a:ln w="0">
+            <a:solidFill>
+              <a:srgbClr val="C00000"/>
+            </a:solidFill>
+          </a:ln>
+        </p:spPr>
+        <p:style>
+          <a:lnRef idx="2">
+            <a:schemeClr val="accent1">
+              <a:shade val="15000"/>
+            </a:schemeClr>
+          </a:lnRef>
+          <a:fillRef idx="1">
+            <a:schemeClr val="accent1"/>
+          </a:fillRef>
+          <a:effectRef idx="0">
+            <a:schemeClr val="accent1"/>
+          </a:effectRef>
+          <a:fontRef idx="minor">
+            <a:schemeClr val="lt1"/>
+          </a:fontRef>
+        </p:style>
+        <p:txBody>
+          <a:bodyPr rtlCol="0" anchor="ctr"/>
+          <a:lstStyle/>
+          <a:p>
+            <a:pPr algn="ctr"/>
+            <a:endParaRPr lang="en-CA"/>
+          </a:p>
+        </p:txBody>
+      </p:sp>
+      <p:sp>
+        <p:nvSpPr>
+          <p:cNvPr id="51" name="Multiplication Sign 50">
+            <a:extLst>
+              <a:ext uri="{FF2B5EF4-FFF2-40B4-BE49-F238E27FC236}">
+                <a16:creationId xmlns:a16="http://schemas.microsoft.com/office/drawing/2014/main" id="{835477D6-D9D1-B520-E120-2BE585337845}"/>
+              </a:ext>
+            </a:extLst>
+          </p:cNvPr>
+          <p:cNvSpPr/>
+          <p:nvPr/>
+        </p:nvSpPr>
+        <p:spPr>
+          <a:xfrm>
+            <a:off x="9297335" y="3514298"/>
+            <a:ext cx="764131" cy="750626"/>
+          </a:xfrm>
+          <a:prstGeom prst="mathMultiply">
+            <a:avLst/>
+          </a:prstGeom>
+          <a:solidFill>
+            <a:srgbClr val="C00000"/>
+          </a:solidFill>
+          <a:ln w="0">
+            <a:solidFill>
+              <a:srgbClr val="C00000"/>
+            </a:solidFill>
+          </a:ln>
+        </p:spPr>
+        <p:style>
+          <a:lnRef idx="2">
+            <a:schemeClr val="accent1">
+              <a:shade val="15000"/>
+            </a:schemeClr>
+          </a:lnRef>
+          <a:fillRef idx="1">
+            <a:schemeClr val="accent1"/>
+          </a:fillRef>
+          <a:effectRef idx="0">
+            <a:schemeClr val="accent1"/>
+          </a:effectRef>
+          <a:fontRef idx="minor">
+            <a:schemeClr val="lt1"/>
+          </a:fontRef>
+        </p:style>
+        <p:txBody>
+          <a:bodyPr rtlCol="0" anchor="ctr"/>
+          <a:lstStyle/>
+          <a:p>
+            <a:pPr algn="ctr"/>
+            <a:endParaRPr lang="en-CA"/>
+          </a:p>
+        </p:txBody>
+      </p:sp>
+      <p:sp>
+        <p:nvSpPr>
+          <p:cNvPr id="52" name="Multiplication Sign 51">
+            <a:extLst>
+              <a:ext uri="{FF2B5EF4-FFF2-40B4-BE49-F238E27FC236}">
+                <a16:creationId xmlns:a16="http://schemas.microsoft.com/office/drawing/2014/main" id="{0293B0C5-0F97-1858-5B5E-BE4EE24F404A}"/>
+              </a:ext>
+            </a:extLst>
+          </p:cNvPr>
+          <p:cNvSpPr/>
+          <p:nvPr/>
+        </p:nvSpPr>
+        <p:spPr>
+          <a:xfrm>
+            <a:off x="8640343" y="2301354"/>
+            <a:ext cx="764131" cy="750626"/>
+          </a:xfrm>
+          <a:prstGeom prst="mathMultiply">
+            <a:avLst/>
+          </a:prstGeom>
+          <a:solidFill>
+            <a:srgbClr val="C00000"/>
+          </a:solidFill>
+          <a:ln w="0">
+            <a:solidFill>
+              <a:srgbClr val="C00000"/>
+            </a:solidFill>
+          </a:ln>
+        </p:spPr>
+        <p:style>
+          <a:lnRef idx="2">
+            <a:schemeClr val="accent1">
+              <a:shade val="15000"/>
+            </a:schemeClr>
+          </a:lnRef>
+          <a:fillRef idx="1">
+            <a:schemeClr val="accent1"/>
+          </a:fillRef>
+          <a:effectRef idx="0">
+            <a:schemeClr val="accent1"/>
+          </a:effectRef>
+          <a:fontRef idx="minor">
+            <a:schemeClr val="lt1"/>
+          </a:fontRef>
+        </p:style>
+        <p:txBody>
+          <a:bodyPr rtlCol="0" anchor="ctr"/>
+          <a:lstStyle/>
+          <a:p>
+            <a:pPr algn="ctr"/>
+            <a:endParaRPr lang="en-CA"/>
+          </a:p>
+        </p:txBody>
+      </p:sp>
+      <p:sp>
+        <p:nvSpPr>
+          <p:cNvPr id="53" name="Multiplication Sign 52">
+            <a:extLst>
+              <a:ext uri="{FF2B5EF4-FFF2-40B4-BE49-F238E27FC236}">
+                <a16:creationId xmlns:a16="http://schemas.microsoft.com/office/drawing/2014/main" id="{D9E588C5-6F84-CB28-6D51-5C091131899C}"/>
+              </a:ext>
+            </a:extLst>
+          </p:cNvPr>
+          <p:cNvSpPr/>
+          <p:nvPr/>
+        </p:nvSpPr>
+        <p:spPr>
+          <a:xfrm>
+            <a:off x="7922533" y="2301354"/>
+            <a:ext cx="764131" cy="750626"/>
+          </a:xfrm>
+          <a:prstGeom prst="mathMultiply">
+            <a:avLst/>
+          </a:prstGeom>
+          <a:solidFill>
+            <a:srgbClr val="C00000"/>
+          </a:solidFill>
+          <a:ln w="0">
+            <a:solidFill>
+              <a:srgbClr val="C00000"/>
+            </a:solidFill>
+          </a:ln>
+        </p:spPr>
+        <p:style>
+          <a:lnRef idx="2">
+            <a:schemeClr val="accent1">
+              <a:shade val="15000"/>
+            </a:schemeClr>
+          </a:lnRef>
+          <a:fillRef idx="1">
+            <a:schemeClr val="accent1"/>
+          </a:fillRef>
+          <a:effectRef idx="0">
+            <a:schemeClr val="accent1"/>
+          </a:effectRef>
+          <a:fontRef idx="minor">
+            <a:schemeClr val="lt1"/>
+          </a:fontRef>
+        </p:style>
+        <p:txBody>
+          <a:bodyPr rtlCol="0" anchor="ctr"/>
+          <a:lstStyle/>
+          <a:p>
+            <a:pPr algn="ctr"/>
+            <a:endParaRPr lang="en-CA"/>
+          </a:p>
+        </p:txBody>
+      </p:sp>
+      <p:sp>
+        <p:nvSpPr>
+          <p:cNvPr id="54" name="Multiplication Sign 53">
+            <a:extLst>
+              <a:ext uri="{FF2B5EF4-FFF2-40B4-BE49-F238E27FC236}">
+                <a16:creationId xmlns:a16="http://schemas.microsoft.com/office/drawing/2014/main" id="{A4B299AB-9BC7-C162-4B25-1BF5DE4B3E08}"/>
+              </a:ext>
+            </a:extLst>
+          </p:cNvPr>
+          <p:cNvSpPr/>
+          <p:nvPr/>
+        </p:nvSpPr>
+        <p:spPr>
+          <a:xfrm>
+            <a:off x="6456701" y="2295736"/>
+            <a:ext cx="764131" cy="750626"/>
+          </a:xfrm>
+          <a:prstGeom prst="mathMultiply">
+            <a:avLst/>
+          </a:prstGeom>
+          <a:solidFill>
+            <a:srgbClr val="C00000"/>
+          </a:solidFill>
+          <a:ln w="0">
+            <a:solidFill>
+              <a:srgbClr val="C00000"/>
+            </a:solidFill>
+          </a:ln>
+        </p:spPr>
+        <p:style>
+          <a:lnRef idx="2">
+            <a:schemeClr val="accent1">
+              <a:shade val="15000"/>
+            </a:schemeClr>
+          </a:lnRef>
+          <a:fillRef idx="1">
+            <a:schemeClr val="accent1"/>
+          </a:fillRef>
+          <a:effectRef idx="0">
+            <a:schemeClr val="accent1"/>
+          </a:effectRef>
+          <a:fontRef idx="minor">
+            <a:schemeClr val="lt1"/>
+          </a:fontRef>
+        </p:style>
+        <p:txBody>
+          <a:bodyPr rtlCol="0" anchor="ctr"/>
+          <a:lstStyle/>
+          <a:p>
+            <a:pPr algn="ctr"/>
+            <a:endParaRPr lang="en-CA"/>
+          </a:p>
+        </p:txBody>
+      </p:sp>
+      <p:sp>
+        <p:nvSpPr>
+          <p:cNvPr id="56" name="Multiplication Sign 55">
+            <a:extLst>
+              <a:ext uri="{FF2B5EF4-FFF2-40B4-BE49-F238E27FC236}">
+                <a16:creationId xmlns:a16="http://schemas.microsoft.com/office/drawing/2014/main" id="{884475BE-BD10-B463-5167-29FEE6FD1C33}"/>
+              </a:ext>
+            </a:extLst>
+          </p:cNvPr>
+          <p:cNvSpPr/>
+          <p:nvPr/>
+        </p:nvSpPr>
+        <p:spPr>
+          <a:xfrm>
+            <a:off x="7158781" y="4733361"/>
+            <a:ext cx="764131" cy="750626"/>
+          </a:xfrm>
+          <a:prstGeom prst="mathMultiply">
+            <a:avLst/>
+          </a:prstGeom>
+          <a:solidFill>
+            <a:srgbClr val="C00000"/>
+          </a:solidFill>
+          <a:ln w="0">
+            <a:solidFill>
+              <a:srgbClr val="C00000"/>
+            </a:solidFill>
+          </a:ln>
+        </p:spPr>
+        <p:style>
+          <a:lnRef idx="2">
+            <a:schemeClr val="accent1">
+              <a:shade val="15000"/>
+            </a:schemeClr>
+          </a:lnRef>
+          <a:fillRef idx="1">
+            <a:schemeClr val="accent1"/>
+          </a:fillRef>
+          <a:effectRef idx="0">
+            <a:schemeClr val="accent1"/>
+          </a:effectRef>
+          <a:fontRef idx="minor">
+            <a:schemeClr val="lt1"/>
+          </a:fontRef>
+        </p:style>
+        <p:txBody>
+          <a:bodyPr rtlCol="0" anchor="ctr"/>
+          <a:lstStyle/>
+          <a:p>
+            <a:pPr algn="ctr"/>
+            <a:endParaRPr lang="en-CA"/>
+          </a:p>
+        </p:txBody>
+      </p:sp>
+      <p:sp>
+        <p:nvSpPr>
+          <p:cNvPr id="57" name="Multiplication Sign 56">
+            <a:extLst>
+              <a:ext uri="{FF2B5EF4-FFF2-40B4-BE49-F238E27FC236}">
+                <a16:creationId xmlns:a16="http://schemas.microsoft.com/office/drawing/2014/main" id="{8A2C9912-E24D-4A2A-7053-C79DE49EC26A}"/>
+              </a:ext>
+            </a:extLst>
+          </p:cNvPr>
+          <p:cNvSpPr/>
+          <p:nvPr/>
+        </p:nvSpPr>
+        <p:spPr>
+          <a:xfrm>
+            <a:off x="7854037" y="4737773"/>
+            <a:ext cx="764131" cy="750626"/>
+          </a:xfrm>
+          <a:prstGeom prst="mathMultiply">
+            <a:avLst/>
+          </a:prstGeom>
+          <a:solidFill>
+            <a:srgbClr val="C00000"/>
+          </a:solidFill>
+          <a:ln w="0">
+            <a:solidFill>
+              <a:srgbClr val="C00000"/>
+            </a:solidFill>
+          </a:ln>
+        </p:spPr>
+        <p:style>
+          <a:lnRef idx="2">
+            <a:schemeClr val="accent1">
+              <a:shade val="15000"/>
+            </a:schemeClr>
+          </a:lnRef>
+          <a:fillRef idx="1">
+            <a:schemeClr val="accent1"/>
+          </a:fillRef>
+          <a:effectRef idx="0">
+            <a:schemeClr val="accent1"/>
+          </a:effectRef>
+          <a:fontRef idx="minor">
+            <a:schemeClr val="lt1"/>
+          </a:fontRef>
+        </p:style>
+        <p:txBody>
+          <a:bodyPr rtlCol="0" anchor="ctr"/>
+          <a:lstStyle/>
+          <a:p>
+            <a:pPr algn="ctr"/>
+            <a:endParaRPr lang="en-CA"/>
+          </a:p>
+        </p:txBody>
+      </p:sp>
+      <p:sp>
+        <p:nvSpPr>
+          <p:cNvPr id="58" name="Multiplication Sign 57">
+            <a:extLst>
+              <a:ext uri="{FF2B5EF4-FFF2-40B4-BE49-F238E27FC236}">
+                <a16:creationId xmlns:a16="http://schemas.microsoft.com/office/drawing/2014/main" id="{E1FAAC11-9495-AED6-7FB8-BBF6C3535509}"/>
+              </a:ext>
+            </a:extLst>
+          </p:cNvPr>
+          <p:cNvSpPr/>
+          <p:nvPr/>
+        </p:nvSpPr>
+        <p:spPr>
+          <a:xfrm>
+            <a:off x="9295244" y="4723125"/>
+            <a:ext cx="764131" cy="750626"/>
+          </a:xfrm>
+          <a:prstGeom prst="mathMultiply">
+            <a:avLst/>
+          </a:prstGeom>
+          <a:solidFill>
+            <a:srgbClr val="C00000"/>
+          </a:solidFill>
+          <a:ln w="0">
+            <a:solidFill>
+              <a:srgbClr val="C00000"/>
+            </a:solidFill>
+          </a:ln>
+        </p:spPr>
+        <p:style>
+          <a:lnRef idx="2">
+            <a:schemeClr val="accent1">
+              <a:shade val="15000"/>
+            </a:schemeClr>
+          </a:lnRef>
+          <a:fillRef idx="1">
+            <a:schemeClr val="accent1"/>
+          </a:fillRef>
+          <a:effectRef idx="0">
+            <a:schemeClr val="accent1"/>
+          </a:effectRef>
+          <a:fontRef idx="minor">
+            <a:schemeClr val="lt1"/>
+          </a:fontRef>
+        </p:style>
+        <p:txBody>
+          <a:bodyPr rtlCol="0" anchor="ctr"/>
+          <a:lstStyle/>
+          <a:p>
+            <a:pPr algn="ctr"/>
+            <a:endParaRPr lang="en-CA"/>
           </a:p>
         </p:txBody>
       </p:sp>
